--- a/lectures/lecture-25/Lecture-Live A00/Lecture 25 - Lecture.pptx
+++ b/lectures/lecture-25/Lecture-Live A00/Lecture 25 - Lecture.pptx
@@ -142,6 +142,358 @@
     </p:ext>
   </p:extLst>
 </p:presentation>
+</file>
+
+<file path=ppt/ink/ink1.xml><?xml version="1.0" encoding="utf-8"?>
+<inkml:ink xmlns:inkml="http://www.w3.org/2003/InkML">
+  <inkml:definitions>
+    <inkml:context xml:id="ctx0">
+      <inkml:inkSource xml:id="inkSrc0">
+        <inkml:traceFormat>
+          <inkml:channel name="X" type="integer" min="-2.14748E9" max="2.14748E9" units="cm"/>
+          <inkml:channel name="Y" type="integer" min="-2.14748E9" max="2.14748E9" units="cm"/>
+          <inkml:channel name="F" type="integer" max="32767" units="dev"/>
+          <inkml:channel name="OA" type="integer" max="360" units="deg"/>
+          <inkml:channel name="OE" type="integer" max="90" units="deg"/>
+        </inkml:traceFormat>
+        <inkml:channelProperties>
+          <inkml:channelProperty channel="X" name="resolution" value="1000" units="1/cm"/>
+          <inkml:channelProperty channel="Y" name="resolution" value="1000" units="1/cm"/>
+          <inkml:channelProperty channel="F" name="resolution" value="0" units="1/dev"/>
+          <inkml:channelProperty channel="OA" name="resolution" value="1000" units="1/deg"/>
+          <inkml:channelProperty channel="OE" name="resolution" value="1000" units="1/deg"/>
+        </inkml:channelProperties>
+      </inkml:inkSource>
+      <inkml:timestamp xml:id="ts0" timeString="2020-12-07T17:00:36.572"/>
+    </inkml:context>
+    <inkml:brush xml:id="br0">
+      <inkml:brushProperty name="width" value="0.05" units="cm"/>
+      <inkml:brushProperty name="height" value="0.05" units="cm"/>
+      <inkml:brushProperty name="color" value="#004F8B"/>
+    </inkml:brush>
+  </inkml:definitions>
+  <inkml:trace contextRef="#ctx0" brushRef="#br0">28 123 11600 0 0,'-7'0'1242'0'0,"-8"-9"390"0"0,14 9-1558 0 0,1 0 1 0 0,0 0-1 0 0,0-1 1 0 0,-1 1-1 0 0,1 0 0 0 0,0 0 1 0 0,-1 0-1 0 0,1-1 0 0 0,0 1 1 0 0,0 0-1 0 0,-1-1 0 0 0,1 1 1 0 0,0 0-1 0 0,0-1 1 0 0,0 1-1 0 0,-1 0 0 0 0,1-1 1 0 0,0 1-1 0 0,0 0 0 0 0,0-1 1 0 0,0 1-1 0 0,0 0 0 0 0,0-1 1 0 0,0 1-1 0 0,0 0 1 0 0,0-1-1 0 0,0 1 0 0 0,0-1 1 0 0,0 1-1 0 0,0 0 0 0 0,0-1 1 0 0,0 1-1 0 0,0 0 0 0 0,0-1 1 0 0,0 1-1 0 0,1 0 1 0 0,-1-1-1 0 0,0 1 0 0 0,0 0 1 0 0,0-1-1 0 0,1 1 0 0 0,-1 0 1 0 0,0-1-1 0 0,0 1 1 0 0,1 0-1 0 0,-1 0 0 0 0,0 0 1 0 0,0-1-1 0 0,1 1 0 0 0,-1 0 1 0 0,0 0-1 0 0,1-1 0 0 0,5-2 226 0 0,1 0-1 0 0,-1 1 1 0 0,0-1-1 0 0,1 1 1 0 0,-1 0-1 0 0,1 1 1 0 0,-1 0-1 0 0,1 0 1 0 0,13 0-1 0 0,8 1 220 0 0,29 4-1 0 0,-39-2-246 0 0,437 22 2661 0 0,-359-20-2426 0 0,425 6 1310 0 0,-62-33 110 0 0,-442 22-1860 0 0,58-6 278 0 0,-27-1-141 0 0,-45 7-187 0 0,0 0 0 0 0,0 0-1 0 0,0 0 1 0 0,0 0 0 0 0,0 0-1 0 0,0-1 1 0 0,0 0 0 0 0,-1 1 0 0 0,1-1-1 0 0,0 0 1 0 0,-1 0 0 0 0,0-1 0 0 0,1 1-1 0 0,-1 0 1 0 0,0-1 0 0 0,0 1-1 0 0,-1-1 1 0 0,1 0 0 0 0,0 1 0 0 0,-1-1-1 0 0,2-3 1 0 0,-2 1-1001 0 0,1 0-1 0 0,0 0 1 0 0,0 0 0 0 0,1 0 0 0 0,4-7-1 0 0,-7 12 822 0 0</inkml:trace>
+</inkml:ink>
+</file>
+
+<file path=ppt/ink/ink10.xml><?xml version="1.0" encoding="utf-8"?>
+<inkml:ink xmlns:inkml="http://www.w3.org/2003/InkML">
+  <inkml:definitions>
+    <inkml:context xml:id="ctx0">
+      <inkml:inkSource xml:id="inkSrc0">
+        <inkml:traceFormat>
+          <inkml:channel name="X" type="integer" min="-2.14748E9" max="2.14748E9" units="cm"/>
+          <inkml:channel name="Y" type="integer" min="-2.14748E9" max="2.14748E9" units="cm"/>
+          <inkml:channel name="F" type="integer" max="32767" units="dev"/>
+          <inkml:channel name="OA" type="integer" max="360" units="deg"/>
+          <inkml:channel name="OE" type="integer" max="90" units="deg"/>
+        </inkml:traceFormat>
+        <inkml:channelProperties>
+          <inkml:channelProperty channel="X" name="resolution" value="1000" units="1/cm"/>
+          <inkml:channelProperty channel="Y" name="resolution" value="1000" units="1/cm"/>
+          <inkml:channelProperty channel="F" name="resolution" value="0" units="1/dev"/>
+          <inkml:channelProperty channel="OA" name="resolution" value="1000" units="1/deg"/>
+          <inkml:channelProperty channel="OE" name="resolution" value="1000" units="1/deg"/>
+        </inkml:channelProperties>
+      </inkml:inkSource>
+      <inkml:timestamp xml:id="ts0" timeString="2020-12-07T17:01:20.563"/>
+    </inkml:context>
+    <inkml:brush xml:id="br0">
+      <inkml:brushProperty name="width" value="0.05" units="cm"/>
+      <inkml:brushProperty name="height" value="0.05" units="cm"/>
+      <inkml:brushProperty name="color" value="#004F8B"/>
+    </inkml:brush>
+  </inkml:definitions>
+  <inkml:trace contextRef="#ctx0" brushRef="#br0">148 78 12728 0 0,'8'-34'1328'0'0,"-3"7"-64"0"0,0 10 2609 0 0,-7 30 2264 0 0,1 8-4727 0 0,-4 29-1687 0 0,-1-10 397 0 0,-14 46 0 0 0,-20 48 191 0 0,-15 68 714 0 0,42-147-1076 0 0,-5 57 0 0 0,15-81-11 0 0,1 1-1 0 0,2 0 1 0 0,4 42-1 0 0,3-58-4303 0 0</inkml:trace>
+</inkml:ink>
+</file>
+
+<file path=ppt/ink/ink11.xml><?xml version="1.0" encoding="utf-8"?>
+<inkml:ink xmlns:inkml="http://www.w3.org/2003/InkML">
+  <inkml:definitions>
+    <inkml:context xml:id="ctx0">
+      <inkml:inkSource xml:id="inkSrc0">
+        <inkml:traceFormat>
+          <inkml:channel name="X" type="integer" min="-2.14748E9" max="2.14748E9" units="cm"/>
+          <inkml:channel name="Y" type="integer" min="-2.14748E9" max="2.14748E9" units="cm"/>
+          <inkml:channel name="F" type="integer" max="32767" units="dev"/>
+          <inkml:channel name="OA" type="integer" max="360" units="deg"/>
+          <inkml:channel name="OE" type="integer" max="90" units="deg"/>
+        </inkml:traceFormat>
+        <inkml:channelProperties>
+          <inkml:channelProperty channel="X" name="resolution" value="1000" units="1/cm"/>
+          <inkml:channelProperty channel="Y" name="resolution" value="1000" units="1/cm"/>
+          <inkml:channelProperty channel="F" name="resolution" value="0" units="1/dev"/>
+          <inkml:channelProperty channel="OA" name="resolution" value="1000" units="1/deg"/>
+          <inkml:channelProperty channel="OE" name="resolution" value="1000" units="1/deg"/>
+        </inkml:channelProperties>
+      </inkml:inkSource>
+      <inkml:timestamp xml:id="ts0" timeString="2020-12-07T17:01:20.906"/>
+    </inkml:context>
+    <inkml:brush xml:id="br0">
+      <inkml:brushProperty name="width" value="0.05" units="cm"/>
+      <inkml:brushProperty name="height" value="0.05" units="cm"/>
+      <inkml:brushProperty name="color" value="#004F8B"/>
+    </inkml:brush>
+  </inkml:definitions>
+  <inkml:trace contextRef="#ctx0" brushRef="#br0">1 317 3680 0 0,'0'0'284'0'0,"0"-3"236"0"0,1-6 1942 0 0,11-14 6595 0 0,15-8-5179 0 0,-14 17-2925 0 0,158-161 4627 0 0,-156 160-5460 0 0,20-15 118 0 0,-32 28-221 0 0,-1 0 1 0 0,1 1 0 0 0,0-1-1 0 0,0 0 1 0 0,0 1-1 0 0,0 0 1 0 0,0-1 0 0 0,0 1-1 0 0,1 0 1 0 0,-1 1 0 0 0,6-2-1 0 0,-7 3-17 0 0,0-1 0 0 0,-1 1 0 0 0,1-1 0 0 0,0 1 0 0 0,0 0 0 0 0,0 0 0 0 0,0 0 0 0 0,-1 0 0 0 0,1 0 0 0 0,0 0 0 0 0,-1 0 0 0 0,1 1 0 0 0,-1-1 0 0 0,1 0 0 0 0,-1 1 0 0 0,0-1 0 0 0,0 1 0 0 0,0 0 0 0 0,0-1 0 0 0,0 1 0 0 0,1 2 0 0 0,4 7 0 0 0,-1 0 0 0 0,4 14 0 0 0,-8-23 0 0 0,12 39 38 0 0,7 45 1 0 0,6 21 135 0 0,-24-100-155 0 0,1-1-1 0 0,0 1 1 0 0,0-1 0 0 0,0 1 0 0 0,1-1 0 0 0,0 0 0 0 0,0 0-1 0 0,10 9 1 0 0,-11-11-124 0 0,0-1 0 0 0,1 0-1 0 0,0-1 1 0 0,-1 1 0 0 0,1 0-1 0 0,0-1 1 0 0,0 0 0 0 0,1 0-1 0 0,-1 0 1 0 0,0-1 0 0 0,1 1-1 0 0,-1-1 1 0 0,1 0 0 0 0,6 0-1 0 0,3 0-1350 0 0</inkml:trace>
+</inkml:ink>
+</file>
+
+<file path=ppt/ink/ink2.xml><?xml version="1.0" encoding="utf-8"?>
+<inkml:ink xmlns:inkml="http://www.w3.org/2003/InkML">
+  <inkml:definitions>
+    <inkml:context xml:id="ctx0">
+      <inkml:inkSource xml:id="inkSrc0">
+        <inkml:traceFormat>
+          <inkml:channel name="X" type="integer" min="-2.14748E9" max="2.14748E9" units="cm"/>
+          <inkml:channel name="Y" type="integer" min="-2.14748E9" max="2.14748E9" units="cm"/>
+          <inkml:channel name="F" type="integer" max="32767" units="dev"/>
+          <inkml:channel name="OA" type="integer" max="360" units="deg"/>
+          <inkml:channel name="OE" type="integer" max="90" units="deg"/>
+        </inkml:traceFormat>
+        <inkml:channelProperties>
+          <inkml:channelProperty channel="X" name="resolution" value="1000" units="1/cm"/>
+          <inkml:channelProperty channel="Y" name="resolution" value="1000" units="1/cm"/>
+          <inkml:channelProperty channel="F" name="resolution" value="0" units="1/dev"/>
+          <inkml:channelProperty channel="OA" name="resolution" value="1000" units="1/deg"/>
+          <inkml:channelProperty channel="OE" name="resolution" value="1000" units="1/deg"/>
+        </inkml:channelProperties>
+      </inkml:inkSource>
+      <inkml:timestamp xml:id="ts0" timeString="2020-12-07T17:00:39.631"/>
+    </inkml:context>
+    <inkml:brush xml:id="br0">
+      <inkml:brushProperty name="width" value="0.05" units="cm"/>
+      <inkml:brushProperty name="height" value="0.05" units="cm"/>
+      <inkml:brushProperty name="color" value="#004F8B"/>
+    </inkml:brush>
+  </inkml:definitions>
+  <inkml:trace contextRef="#ctx0" brushRef="#br0">48 1 4144 0 0,'0'0'319'0'0,"-14"5"1023"0"0,3-4 2316 0 0,10 0-3450 0 0,0-1 0 0 0,1 0 0 0 0,-1 0 0 0 0,0 1 0 0 0,0-1 0 0 0,0 0 0 0 0,1 0 0 0 0,-1 0 0 0 0,0 0 0 0 0,0 0 0 0 0,0 0 0 0 0,1 0 0 0 0,-1 0 0 0 0,0-1 0 0 0,0 1 0 0 0,0 0 0 0 0,1 0 0 0 0,-1-1 0 0 0,0 1 0 0 0,0 0 0 0 0,1-1 0 0 0,-6-4 4528 0 0,15 5-3649 0 0,15 1-276 0 0,-1 2 0 0 0,1 0-1 0 0,23 8 1 0 0,16 1-181 0 0,288 25 1353 0 0,4-24-410 0 0,-246-10-1185 0 0,131 1 291 0 0,-80-3-354 0 0,48-4 903 0 0,-170 1-970 0 0,-25 1-231 0 0,0 0 1 0 0,0 1-1 0 0,14 2 1 0 0,-9-5-187 0 0,-19 3 86 0 0,1-1-1 0 0,-1 1 1 0 0,1-1-1 0 0,-1 1 0 0 0,1-1 1 0 0,0 1-1 0 0,-1-1 1 0 0,1 1-1 0 0,-1-1 1 0 0,1 0-1 0 0,0 1 0 0 0,0-1 1 0 0,-1 1-1 0 0,1-1 1 0 0,0 0-1 0 0,-1-1 0 0 0,0-4-3834 0 0</inkml:trace>
+</inkml:ink>
+</file>
+
+<file path=ppt/ink/ink3.xml><?xml version="1.0" encoding="utf-8"?>
+<inkml:ink xmlns:inkml="http://www.w3.org/2003/InkML">
+  <inkml:definitions>
+    <inkml:context xml:id="ctx0">
+      <inkml:inkSource xml:id="inkSrc0">
+        <inkml:traceFormat>
+          <inkml:channel name="X" type="integer" min="-2.14748E9" max="2.14748E9" units="cm"/>
+          <inkml:channel name="Y" type="integer" min="-2.14748E9" max="2.14748E9" units="cm"/>
+          <inkml:channel name="F" type="integer" max="32767" units="dev"/>
+          <inkml:channel name="OA" type="integer" max="360" units="deg"/>
+          <inkml:channel name="OE" type="integer" max="90" units="deg"/>
+        </inkml:traceFormat>
+        <inkml:channelProperties>
+          <inkml:channelProperty channel="X" name="resolution" value="1000" units="1/cm"/>
+          <inkml:channelProperty channel="Y" name="resolution" value="1000" units="1/cm"/>
+          <inkml:channelProperty channel="F" name="resolution" value="0" units="1/dev"/>
+          <inkml:channelProperty channel="OA" name="resolution" value="1000" units="1/deg"/>
+          <inkml:channelProperty channel="OE" name="resolution" value="1000" units="1/deg"/>
+        </inkml:channelProperties>
+      </inkml:inkSource>
+      <inkml:timestamp xml:id="ts0" timeString="2020-12-07T17:00:41.530"/>
+    </inkml:context>
+    <inkml:brush xml:id="br0">
+      <inkml:brushProperty name="width" value="0.05" units="cm"/>
+      <inkml:brushProperty name="height" value="0.05" units="cm"/>
+      <inkml:brushProperty name="color" value="#004F8B"/>
+    </inkml:brush>
+  </inkml:definitions>
+  <inkml:trace contextRef="#ctx0" brushRef="#br0">47 36 8288 0 0,'0'0'190'0'0,"-9"-1"400"0"0,-8-2-422 0 0,16 3-289 0 0,-15-5 5446 0 0,16 5-5230 0 0,0-1 0 0 0,0 1 0 0 0,-1 0 0 0 0,1 0 0 0 0,0 0 0 0 0,0 0 0 0 0,-1 0 0 0 0,1-1 0 0 0,0 1 0 0 0,0 0 0 0 0,0 0 0 0 0,0 0 1 0 0,-1-1-1 0 0,1 1 0 0 0,0 0 0 0 0,0 0 0 0 0,0-1 0 0 0,0 1 0 0 0,0 0 0 0 0,0 0 0 0 0,-1-1 0 0 0,1 1 0 0 0,0 0 0 0 0,0 0 0 0 0,0-1 1 0 0,0 1-1 0 0,0 0 0 0 0,0-1 0 0 0,0 1 0 0 0,0 0 0 0 0,0 0 0 0 0,1-1 0 0 0,-1 1 0 0 0,0 0 0 0 0,0 0 0 0 0,0-1 0 0 0,0 1 0 0 0,0 0 1 0 0,0 0-1 0 0,0-1 0 0 0,1 1 0 0 0,-1 0 0 0 0,0 0 0 0 0,0 0 0 0 0,0-1 0 0 0,0 1 0 0 0,1 0 0 0 0,-1 0 0 0 0,0 0 0 0 0,0 0 0 0 0,1-1 1 0 0,-1 1-1 0 0,0 0 0 0 0,1 0 0 0 0,2-2 54 0 0,0 0 0 0 0,0 1 0 0 0,0-1 0 0 0,0 1 0 0 0,0 0 0 0 0,1 0 0 0 0,-1 0 1 0 0,1 0-1 0 0,5 0 0 0 0,33 0 542 0 0,-41 1-629 0 0,137 10 1544 0 0,157 0-393 0 0,-97-8-658 0 0,-80 0-381 0 0,45 4 310 0 0,101 9 546 0 0,-117-8-503 0 0,147 8 458 0 0,-132-17-475 0 0,-52-1-116 0 0,130-13 142 0 0,-90 2-144 0 0,-27 7-40 0 0,-76 4-279 0 0,10 0 246 0 0,-1 1 1 0 0,100 12 0 0 0,-116-5-168 0 0,67 0 0 0 0,-100-7-133 0 0,-6 2-15 0 0,1-1-1 0 0,0 1 0 0 0,-1-1 1 0 0,1 1-1 0 0,-1 0 0 0 0,1 0 0 0 0,0-1 1 0 0,-1 1-1 0 0,1 0 0 0 0,0 1 1 0 0,-1-1-1 0 0,1 0 0 0 0,-1 0 0 0 0,1 1 1 0 0,2 0-1 0 0,13 3-839 0 0,-14-3 267 0 0,0 0-1 0 0,0 0 0 0 0,-1 0 1 0 0,1-1-1 0 0,0 1 0 0 0,0-1 1 0 0,0 0-1 0 0,0 0 0 0 0,0 0 1 0 0,0 0-1 0 0,0 0 0 0 0,0-1 1 0 0,-1 1-1 0 0,1-1 0 0 0,0 0 1 0 0,0 0-1 0 0,0 0 0 0 0,-1 0 1 0 0,4-2-1 0 0</inkml:trace>
+</inkml:ink>
+</file>
+
+<file path=ppt/ink/ink4.xml><?xml version="1.0" encoding="utf-8"?>
+<inkml:ink xmlns:inkml="http://www.w3.org/2003/InkML">
+  <inkml:definitions>
+    <inkml:context xml:id="ctx0">
+      <inkml:inkSource xml:id="inkSrc0">
+        <inkml:traceFormat>
+          <inkml:channel name="X" type="integer" min="-2.14748E9" max="2.14748E9" units="cm"/>
+          <inkml:channel name="Y" type="integer" min="-2.14748E9" max="2.14748E9" units="cm"/>
+          <inkml:channel name="F" type="integer" max="32767" units="dev"/>
+          <inkml:channel name="OA" type="integer" max="360" units="deg"/>
+          <inkml:channel name="OE" type="integer" max="90" units="deg"/>
+        </inkml:traceFormat>
+        <inkml:channelProperties>
+          <inkml:channelProperty channel="X" name="resolution" value="1000" units="1/cm"/>
+          <inkml:channelProperty channel="Y" name="resolution" value="1000" units="1/cm"/>
+          <inkml:channelProperty channel="F" name="resolution" value="0" units="1/dev"/>
+          <inkml:channelProperty channel="OA" name="resolution" value="1000" units="1/deg"/>
+          <inkml:channelProperty channel="OE" name="resolution" value="1000" units="1/deg"/>
+        </inkml:channelProperties>
+      </inkml:inkSource>
+      <inkml:timestamp xml:id="ts0" timeString="2020-12-07T17:00:52.259"/>
+    </inkml:context>
+    <inkml:brush xml:id="br0">
+      <inkml:brushProperty name="width" value="0.05" units="cm"/>
+      <inkml:brushProperty name="height" value="0.05" units="cm"/>
+      <inkml:brushProperty name="color" value="#004F8B"/>
+    </inkml:brush>
+  </inkml:definitions>
+  <inkml:trace contextRef="#ctx0" brushRef="#br0">22 70 3224 0 0,'-4'0'1529'0'0,"-7"-2"1037"0"0,8 1-2111 0 0,3 0-331 0 0,-1-1-1 0 0,1 0 0 0 0,-1 0 0 0 0,1 0 1 0 0,0 0-1 0 0,0 0 0 0 0,0 0 0 0 0,0-3 1 0 0,0 2 177 0 0,0 2 251 0 0,0 1-531 0 0,0 0 0 0 0,0 0-1 0 0,0 0 1 0 0,0 0 0 0 0,0 0 0 0 0,0 0 0 0 0,0 0-1 0 0,0 0 1 0 0,0 0 0 0 0,0 0 0 0 0,0 0 0 0 0,0 0-1 0 0,0 0 1 0 0,0 0 0 0 0,0 0 0 0 0,0 0-1 0 0,0 0 1 0 0,0 0 0 0 0,0 0 0 0 0,0 0 0 0 0,0-1-1 0 0,0 1 1 0 0,0 0 0 0 0,0 0 0 0 0,0 0 0 0 0,0 0-1 0 0,0 0 1 0 0,0 0 0 0 0,0 0 0 0 0,0 0 0 0 0,0 0-1 0 0,0 0 1 0 0,0 0 0 0 0,0 0 0 0 0,0 0-1 0 0,0 0 1 0 0,0 0 0 0 0,0 0 0 0 0,0 0 0 0 0,0 0-1 0 0,0 0 1 0 0,0 0 0 0 0,0 0 0 0 0,0 0 0 0 0,0 0-1 0 0,0 0 1 0 0,0-1 0 0 0,0 1 0 0 0,0 0 0 0 0,0 0-1 0 0,0 0 1 0 0,0 0 0 0 0,0 0 0 0 0,0 0-1 0 0,0 0 1 0 0,0 0 0 0 0,0 0 0 0 0,0 0 0 0 0,-1 0-1 0 0,1 0 1 0 0,0 0 0 0 0,0 0 0 0 0,0 0 0 0 0,0 0-1 0 0,0 0 1 0 0,0 0 0 0 0,0 0 0 0 0,0 0 0 0 0,0 0-1 0 0,4-4 1279 0 0,5-1 800 0 0,-9 5-1991 0 0,1-1 0 0 0,0 1 0 0 0,0 0 0 0 0,-1-1 0 0 0,1 1 0 0 0,0 0 1 0 0,0 0-1 0 0,-1-1 0 0 0,1 1 0 0 0,0 0 0 0 0,0 0 0 0 0,0 0 0 0 0,-1 0 0 0 0,1 0 0 0 0,0 0 0 0 0,0 0 0 0 0,1 1 0 0 0,2-1 2164 0 0,-2 0-1744 0 0,43 5 1686 0 0,-8 0-1389 0 0,178 12 1073 0 0,111 6-683 0 0,-21-28 65 0 0,-242 1-984 0 0,50-4 301 0 0,126 8-1 0 0,-140 7 288 0 0,196 11-747 0 0,-99-13 473 0 0,41-20 1033 0 0,-159 7-1454 0 0,102-10-506 0 0,-75 4 751 0 0,-94 13-459 0 0,0-1-1 0 0,17-6 0 0 0,-27 8-92 0 0,-1 0 0 0 0,1 0 1 0 0,-1-1-1 0 0,1 1 0 0 0,-1 0 0 0 0,1-1 0 0 0,-1 1 1 0 0,1-1-1 0 0,-1 1 0 0 0,0 0 0 0 0,1-1 0 0 0,-1 1 1 0 0,0-1-1 0 0,1 1 0 0 0,-1-1 0 0 0,0 1 0 0 0,0-1 1 0 0,1 1-1 0 0,-1-1 0 0 0,0 0 0 0 0,0 1 0 0 0,0-1 1 0 0,0 1-1 0 0,0-1 0 0 0,0 1 0 0 0,0-1 0 0 0,0 0 1 0 0,0 1-1 0 0,0-1 0 0 0,0 0 0 0 0,0 0-33 0 0,0 1 0 0 0,0-1 0 0 0,0 1 0 0 0,0-1 0 0 0,0 1 0 0 0,0-1-1 0 0,0 1 1 0 0,0-1 0 0 0,0 1 0 0 0,0-1 0 0 0,1 1 0 0 0,-1-1 0 0 0,0 1 0 0 0,0-1 0 0 0,0 1-1 0 0,1-1 1 0 0,-1 1 0 0 0,0-1 0 0 0,1 1 0 0 0,-1-1 0 0 0</inkml:trace>
+</inkml:ink>
+</file>
+
+<file path=ppt/ink/ink5.xml><?xml version="1.0" encoding="utf-8"?>
+<inkml:ink xmlns:inkml="http://www.w3.org/2003/InkML">
+  <inkml:definitions>
+    <inkml:context xml:id="ctx0">
+      <inkml:inkSource xml:id="inkSrc0">
+        <inkml:traceFormat>
+          <inkml:channel name="X" type="integer" min="-2.14748E9" max="2.14748E9" units="cm"/>
+          <inkml:channel name="Y" type="integer" min="-2.14748E9" max="2.14748E9" units="cm"/>
+          <inkml:channel name="F" type="integer" max="32767" units="dev"/>
+          <inkml:channel name="OA" type="integer" max="360" units="deg"/>
+          <inkml:channel name="OE" type="integer" max="90" units="deg"/>
+        </inkml:traceFormat>
+        <inkml:channelProperties>
+          <inkml:channelProperty channel="X" name="resolution" value="1000" units="1/cm"/>
+          <inkml:channelProperty channel="Y" name="resolution" value="1000" units="1/cm"/>
+          <inkml:channelProperty channel="F" name="resolution" value="0" units="1/dev"/>
+          <inkml:channelProperty channel="OA" name="resolution" value="1000" units="1/deg"/>
+          <inkml:channelProperty channel="OE" name="resolution" value="1000" units="1/deg"/>
+        </inkml:channelProperties>
+      </inkml:inkSource>
+      <inkml:timestamp xml:id="ts0" timeString="2020-12-07T17:00:57.345"/>
+    </inkml:context>
+    <inkml:brush xml:id="br0">
+      <inkml:brushProperty name="width" value="0.05" units="cm"/>
+      <inkml:brushProperty name="height" value="0.05" units="cm"/>
+      <inkml:brushProperty name="color" value="#004F8B"/>
+    </inkml:brush>
+  </inkml:definitions>
+  <inkml:trace contextRef="#ctx0" brushRef="#br0">0 207 12896 0 0,'0'0'1544'0'0,"9"-2"958"0"0,17-1-713 0 0,-1-2 0 0 0,0-1 0 0 0,48-18 0 0 0,68-39-46 0 0,-136 60-1643 0 0,68-35 331 0 0,-39 19-381 0 0,37-15-1 0 0,-44 25-250 0 0,-25 9-214 0 0,-1-1 0 0 0,1 1 0 0 0,-1 0 0 0 0,0 0 0 0 0,1 0 0 0 0,-1 0 0 0 0,1 0 0 0 0,-1 1 0 0 0,0-1 0 0 0,2 1 0 0 0</inkml:trace>
+</inkml:ink>
+</file>
+
+<file path=ppt/ink/ink6.xml><?xml version="1.0" encoding="utf-8"?>
+<inkml:ink xmlns:inkml="http://www.w3.org/2003/InkML">
+  <inkml:definitions>
+    <inkml:context xml:id="ctx0">
+      <inkml:inkSource xml:id="inkSrc0">
+        <inkml:traceFormat>
+          <inkml:channel name="X" type="integer" min="-2.14748E9" max="2.14748E9" units="cm"/>
+          <inkml:channel name="Y" type="integer" min="-2.14748E9" max="2.14748E9" units="cm"/>
+          <inkml:channel name="F" type="integer" max="32767" units="dev"/>
+          <inkml:channel name="OA" type="integer" max="360" units="deg"/>
+          <inkml:channel name="OE" type="integer" max="90" units="deg"/>
+        </inkml:traceFormat>
+        <inkml:channelProperties>
+          <inkml:channelProperty channel="X" name="resolution" value="1000" units="1/cm"/>
+          <inkml:channelProperty channel="Y" name="resolution" value="1000" units="1/cm"/>
+          <inkml:channelProperty channel="F" name="resolution" value="0" units="1/dev"/>
+          <inkml:channelProperty channel="OA" name="resolution" value="1000" units="1/deg"/>
+          <inkml:channelProperty channel="OE" name="resolution" value="1000" units="1/deg"/>
+        </inkml:channelProperties>
+      </inkml:inkSource>
+      <inkml:timestamp xml:id="ts0" timeString="2020-12-07T17:00:57.776"/>
+    </inkml:context>
+    <inkml:brush xml:id="br0">
+      <inkml:brushProperty name="width" value="0.05" units="cm"/>
+      <inkml:brushProperty name="height" value="0.05" units="cm"/>
+      <inkml:brushProperty name="color" value="#004F8B"/>
+    </inkml:brush>
+  </inkml:definitions>
+  <inkml:trace contextRef="#ctx0" brushRef="#br0">182 0 17191 0 0,'-1'2'126'0'0,"0"-1"-1"0"0,0 1 0 0 0,-1 0 0 0 0,1-1 1 0 0,0 1-1 0 0,0 0 0 0 0,0 0 0 0 0,1 0 1 0 0,-1-1-1 0 0,0 1 0 0 0,1 0 0 0 0,-1 0 1 0 0,1 0-1 0 0,0 0 0 0 0,-1 3 0 0 0,2 35 482 0 0,0-18 630 0 0,-20 299 2530 0 0,5-97-3181 0 0,-1 5-413 0 0,5-118-258 0 0,-36 294 1764 0 0,22-262-1381 0 0,-14 128 308 0 0,34-168-271 0 0,4-88-235 0 0,1 1-1 0 0,1-1 0 0 0,0 0 1 0 0,8 25-1 0 0,-8-36-58 0 0,-1 1-1 0 0,1-1 1 0 0,0 0-1 0 0,0 0 1 0 0,0 1-1 0 0,1-2 1 0 0,0 1-1 0 0,-1 0 1 0 0,1-1-1 0 0,1 1 1 0 0,-1-1-1 0 0,0 0 1 0 0,1 0-1 0 0,0 0 1 0 0,-1 0-1 0 0,1-1 1 0 0,0 1-1 0 0,0-1 1 0 0,1 0-1 0 0,-1 0 1 0 0,0-1 0 0 0,1 0-1 0 0,-1 1 1 0 0,1-1-1 0 0,5 0 1 0 0,9 1 116 0 0,1-1 1 0 0,0-2 0 0 0,0 0 0 0 0,33-5 0 0 0,-11 0-10 0 0,11 1-21 0 0,4-1-145 0 0,100 1 1 0 0,-146 6-177 0 0,-1 0 0 0 0,0 1 0 0 0,0 1 0 0 0,12 4 1 0 0,19 9-4298 0 0,-24-9-4867 0 0</inkml:trace>
+</inkml:ink>
+</file>
+
+<file path=ppt/ink/ink7.xml><?xml version="1.0" encoding="utf-8"?>
+<inkml:ink xmlns:inkml="http://www.w3.org/2003/InkML">
+  <inkml:definitions>
+    <inkml:context xml:id="ctx0">
+      <inkml:inkSource xml:id="inkSrc0">
+        <inkml:traceFormat>
+          <inkml:channel name="X" type="integer" min="-2.14748E9" max="2.14748E9" units="cm"/>
+          <inkml:channel name="Y" type="integer" min="-2.14748E9" max="2.14748E9" units="cm"/>
+          <inkml:channel name="F" type="integer" max="32767" units="dev"/>
+          <inkml:channel name="OA" type="integer" max="360" units="deg"/>
+          <inkml:channel name="OE" type="integer" max="90" units="deg"/>
+        </inkml:traceFormat>
+        <inkml:channelProperties>
+          <inkml:channelProperty channel="X" name="resolution" value="1000" units="1/cm"/>
+          <inkml:channelProperty channel="Y" name="resolution" value="1000" units="1/cm"/>
+          <inkml:channelProperty channel="F" name="resolution" value="0" units="1/dev"/>
+          <inkml:channelProperty channel="OA" name="resolution" value="1000" units="1/deg"/>
+          <inkml:channelProperty channel="OE" name="resolution" value="1000" units="1/deg"/>
+        </inkml:channelProperties>
+      </inkml:inkSource>
+      <inkml:timestamp xml:id="ts0" timeString="2020-12-07T17:01:00.076"/>
+    </inkml:context>
+    <inkml:brush xml:id="br0">
+      <inkml:brushProperty name="width" value="0.05" units="cm"/>
+      <inkml:brushProperty name="height" value="0.05" units="cm"/>
+      <inkml:brushProperty name="color" value="#004F8B"/>
+    </inkml:brush>
+  </inkml:definitions>
+  <inkml:trace contextRef="#ctx0" brushRef="#br0">21 83 3224 0 0,'-20'-3'23138'0'0,"33"21"-21373"0"0,-12-17-1338 0 0,25 6 470 0 0,-23-6-807 0 0,0-1 0 0 0,-1 1 0 0 0,1-1 0 0 0,-1 1 0 0 0,1-1 0 0 0,0 0 0 0 0,3-1-1 0 0,-3 1-52 0 0,-1 0 0 0 0,1 0 0 0 0,0 0 0 0 0,-1 1 0 0 0,1-1 0 0 0,4 1-1 0 0,-3 0 60 0 0,-1 0 0 0 0,0-1 0 0 0,1 1 0 0 0,-1-1 0 0 0,1 0 0 0 0,-1 0 0 0 0,7-1-1 0 0,4 0-31 0 0,176 10-72 0 0,-100-3 12 0 0,450-1 567 0 0,-428-8-506 0 0,285-8 301 0 0,1 17-115 0 0,3-11 8 0 0,-396 5-259 0 0,5-1 0 0 0,0 0 0 0 0,0 0 0 0 0,18-6 0 0 0,-18 5 0 0 0,-1 1 0 0 0,5-5 0 0 0,-12 5 0 0 0,-2 1 0 0 0,0 0 0 0 0,1 0 0 0 0,-1 0 0 0 0,0-1 0 0 0,0 1 0 0 0,1 0 0 0 0,-1 0 0 0 0,0 0 0 0 0,0 0 0 0 0,1-1 0 0 0,-1 1 0 0 0,0 0 0 0 0,0 0 0 0 0,0-1 0 0 0,1 1 0 0 0,-1 0 0 0 0,0 0 0 0 0,0-1 0 0 0,0 1 0 0 0,0 0 0 0 0,0-1 0 0 0,1 1 0 0 0,-1 0 0 0 0,0 0 0 0 0,0-1 0 0 0,0 1 0 0 0,0 0 0 0 0,0-1 0 0 0,0 1 0 0 0,0 0 0 0 0,0-1 0 0 0,0 1 0 0 0,0 0 0 0 0,0-1 0 0 0,-1 1 0 0 0,1 0 0 0 0,0 0 0 0 0,0-1 0 0 0,0 1 0 0 0,0-1 0 0 0,-1-8-884 0 0,0-1 0 0 0,0 1 0 0 0,0 0-1 0 0,-1-1 1 0 0,-1 1 0 0 0,-5-14 0 0 0,5 16-711 0 0</inkml:trace>
+</inkml:ink>
+</file>
+
+<file path=ppt/ink/ink8.xml><?xml version="1.0" encoding="utf-8"?>
+<inkml:ink xmlns:inkml="http://www.w3.org/2003/InkML">
+  <inkml:definitions>
+    <inkml:context xml:id="ctx0">
+      <inkml:inkSource xml:id="inkSrc0">
+        <inkml:traceFormat>
+          <inkml:channel name="X" type="integer" min="-2.14748E9" max="2.14748E9" units="cm"/>
+          <inkml:channel name="Y" type="integer" min="-2.14748E9" max="2.14748E9" units="cm"/>
+          <inkml:channel name="F" type="integer" max="32767" units="dev"/>
+          <inkml:channel name="OA" type="integer" max="360" units="deg"/>
+          <inkml:channel name="OE" type="integer" max="90" units="deg"/>
+        </inkml:traceFormat>
+        <inkml:channelProperties>
+          <inkml:channelProperty channel="X" name="resolution" value="1000" units="1/cm"/>
+          <inkml:channelProperty channel="Y" name="resolution" value="1000" units="1/cm"/>
+          <inkml:channelProperty channel="F" name="resolution" value="0" units="1/dev"/>
+          <inkml:channelProperty channel="OA" name="resolution" value="1000" units="1/deg"/>
+          <inkml:channelProperty channel="OE" name="resolution" value="1000" units="1/deg"/>
+        </inkml:channelProperties>
+      </inkml:inkSource>
+      <inkml:timestamp xml:id="ts0" timeString="2020-12-07T17:01:14.899"/>
+    </inkml:context>
+    <inkml:brush xml:id="br0">
+      <inkml:brushProperty name="width" value="0.05" units="cm"/>
+      <inkml:brushProperty name="height" value="0.05" units="cm"/>
+      <inkml:brushProperty name="color" value="#004F8B"/>
+    </inkml:brush>
+  </inkml:definitions>
+  <inkml:trace contextRef="#ctx0" brushRef="#br0">17 110 1376 0 0,'-17'4'18570'0'0,"26"-8"-15976"0"0,23-2-3065 0 0,-30 5 1153 0 0,45-6 884 0 0,24-6-308 0 0,-25 5-1282 0 0,75-6 0 0 0,14-2 72 0 0,82-12-56 0 0,-113 16 211 0 0,-43 8 291 0 0,98 5 0 0 0,-150 0-477 0 0,88 7 331 0 0,118 25 0 0 0,-58-6 36 0 0,243 10 968 0 0,-301-31-1248 0 0,64 0 504 0 0,69-22 67 0 0,-93 6-470 0 0,-115 7-114 0 0,25 0 149 0 0,-50 1-332 0 0,1 0 0 0 0,-1-1 1 0 0,1 1-1 0 0,0-1 0 0 0,-1 1 1 0 0,1 0-1 0 0,0-1 0 0 0,1-3 1 0 0,-1 3-479 0 0,1-10-3084 0 0</inkml:trace>
+</inkml:ink>
+</file>
+
+<file path=ppt/ink/ink9.xml><?xml version="1.0" encoding="utf-8"?>
+<inkml:ink xmlns:inkml="http://www.w3.org/2003/InkML">
+  <inkml:definitions>
+    <inkml:context xml:id="ctx0">
+      <inkml:inkSource xml:id="inkSrc0">
+        <inkml:traceFormat>
+          <inkml:channel name="X" type="integer" min="-2.14748E9" max="2.14748E9" units="cm"/>
+          <inkml:channel name="Y" type="integer" min="-2.14748E9" max="2.14748E9" units="cm"/>
+          <inkml:channel name="F" type="integer" max="32767" units="dev"/>
+          <inkml:channel name="OA" type="integer" max="360" units="deg"/>
+          <inkml:channel name="OE" type="integer" max="90" units="deg"/>
+        </inkml:traceFormat>
+        <inkml:channelProperties>
+          <inkml:channelProperty channel="X" name="resolution" value="1000" units="1/cm"/>
+          <inkml:channelProperty channel="Y" name="resolution" value="1000" units="1/cm"/>
+          <inkml:channelProperty channel="F" name="resolution" value="0" units="1/dev"/>
+          <inkml:channelProperty channel="OA" name="resolution" value="1000" units="1/deg"/>
+          <inkml:channelProperty channel="OE" name="resolution" value="1000" units="1/deg"/>
+        </inkml:channelProperties>
+      </inkml:inkSource>
+      <inkml:timestamp xml:id="ts0" timeString="2020-12-07T17:01:20.163"/>
+    </inkml:context>
+    <inkml:brush xml:id="br0">
+      <inkml:brushProperty name="width" value="0.05" units="cm"/>
+      <inkml:brushProperty name="height" value="0.05" units="cm"/>
+      <inkml:brushProperty name="color" value="#004F8B"/>
+    </inkml:brush>
+  </inkml:definitions>
+  <inkml:trace contextRef="#ctx0" brushRef="#br0">52 45 5064 0 0,'0'0'232'0'0,"-10"1"2126"0"0,6-2 1246 0 0,-1-1-3261 0 0,4 2-215 0 0,0 0 0 0 0,0 0 1 0 0,1 0-1 0 0,-1-1 0 0 0,0 1 0 0 0,1 0 1 0 0,-1 0-1 0 0,0-1 0 0 0,1 1 0 0 0,-1 0 1 0 0,1-1-1 0 0,-1 1 0 0 0,1 0 1 0 0,-1-1-1 0 0,0 1 0 0 0,1-1 0 0 0,-1 1 1 0 0,1-1-1 0 0,0 1 0 0 0,-1-1 0 0 0,1 0 1 0 0,-1 1-1 0 0,1-1 0 0 0,-1-1 1 0 0,1 2 24 0 0,0 0 0 0 0,-1-1 0 0 0,1 1 1 0 0,0 0-1 0 0,-1-1 0 0 0,1 1 1 0 0,-1 0-1 0 0,1 0 0 0 0,0-1 1 0 0,-1 1-1 0 0,1 0 0 0 0,-1 0 0 0 0,1 0 1 0 0,-1 0-1 0 0,1 0 0 0 0,-1-1 1 0 0,1 1-1 0 0,-1 0 0 0 0,1 0 1 0 0,-1 0-1 0 0,1 0 0 0 0,-1 0 1 0 0,1 1-1 0 0,-1-1 0 0 0,1 0 0 0 0,0 0 1 0 0,-1 0-1 0 0,1 0 0 0 0,-1 0 1 0 0,-4 4 3718 0 0,15 0-3017 0 0,17 1-477 0 0,0 0 0 0 0,0-2-1 0 0,0-2 1 0 0,43-1 0 0 0,22-6 6 0 0,126 4 87 0 0,-42 2-91 0 0,95-28 500 0 0,-199 22-792 0 0,-20 2-23 0 0,36-1 12 0 0,126 10 0 0 0,-41 0-19 0 0,149 2 70 0 0,-215-4-46 0 0,46 2 73 0 0,-30 3-101 0 0,82 9 23 0 0,-87-6 39 0 0,144-4 0 0 0,-120-14 141 0 0,-30 2-26 0 0,158-9 126 0 0,268 4 289 0 0,-267-4-65 0 0,-215 9-581 0 0,-51 5-85 0 0,-5 0-361 0 0</inkml:trace>
+</inkml:ink>
 </file>
 
 <file path=ppt/notesMasters/notesMaster1.xml><?xml version="1.0" encoding="utf-8"?>
@@ -4203,6 +4555,609 @@
           </a:p>
         </p:txBody>
       </p:sp>
+      <mc:AlternateContent xmlns:mc="http://schemas.openxmlformats.org/markup-compatibility/2006">
+        <mc:Choice xmlns:p14="http://schemas.microsoft.com/office/powerpoint/2010/main" Requires="p14">
+          <p:contentPart p14:bwMode="auto" r:id="rId2">
+            <p14:nvContentPartPr>
+              <p14:cNvPr id="4" name="Ink 3">
+                <a:extLst>
+                  <a:ext uri="{FF2B5EF4-FFF2-40B4-BE49-F238E27FC236}">
+                    <a16:creationId xmlns:a16="http://schemas.microsoft.com/office/drawing/2014/main" id="{49E6BBB1-D9B2-4AB1-8285-18ECAC89A762}"/>
+                  </a:ext>
+                </a:extLst>
+              </p14:cNvPr>
+              <p14:cNvContentPartPr/>
+              <p14:nvPr/>
+            </p14:nvContentPartPr>
+            <p14:xfrm>
+              <a:off x="912529" y="1699099"/>
+              <a:ext cx="694800" cy="44280"/>
+            </p14:xfrm>
+          </p:contentPart>
+        </mc:Choice>
+        <mc:Fallback>
+          <p:pic>
+            <p:nvPicPr>
+              <p:cNvPr id="4" name="Ink 3">
+                <a:extLst>
+                  <a:ext uri="{FF2B5EF4-FFF2-40B4-BE49-F238E27FC236}">
+                    <a16:creationId xmlns:a16="http://schemas.microsoft.com/office/drawing/2014/main" id="{49E6BBB1-D9B2-4AB1-8285-18ECAC89A762}"/>
+                  </a:ext>
+                </a:extLst>
+              </p:cNvPr>
+              <p:cNvPicPr/>
+              <p:nvPr/>
+            </p:nvPicPr>
+            <p:blipFill>
+              <a:blip r:embed="rId3"/>
+              <a:stretch>
+                <a:fillRect/>
+              </a:stretch>
+            </p:blipFill>
+            <p:spPr>
+              <a:xfrm>
+                <a:off x="903889" y="1690459"/>
+                <a:ext cx="712440" cy="61920"/>
+              </a:xfrm>
+              <a:prstGeom prst="rect">
+                <a:avLst/>
+              </a:prstGeom>
+            </p:spPr>
+          </p:pic>
+        </mc:Fallback>
+      </mc:AlternateContent>
+      <mc:AlternateContent xmlns:mc="http://schemas.openxmlformats.org/markup-compatibility/2006">
+        <mc:Choice xmlns:p14="http://schemas.microsoft.com/office/powerpoint/2010/main" Requires="p14">
+          <p:contentPart p14:bwMode="auto" r:id="rId4">
+            <p14:nvContentPartPr>
+              <p14:cNvPr id="5" name="Ink 4">
+                <a:extLst>
+                  <a:ext uri="{FF2B5EF4-FFF2-40B4-BE49-F238E27FC236}">
+                    <a16:creationId xmlns:a16="http://schemas.microsoft.com/office/drawing/2014/main" id="{C4EB0C0E-6B26-44E7-A21B-CBEEE534B8DE}"/>
+                  </a:ext>
+                </a:extLst>
+              </p14:cNvPr>
+              <p14:cNvContentPartPr/>
+              <p14:nvPr/>
+            </p14:nvContentPartPr>
+            <p14:xfrm>
+              <a:off x="2465929" y="2144779"/>
+              <a:ext cx="624960" cy="32040"/>
+            </p14:xfrm>
+          </p:contentPart>
+        </mc:Choice>
+        <mc:Fallback>
+          <p:pic>
+            <p:nvPicPr>
+              <p:cNvPr id="5" name="Ink 4">
+                <a:extLst>
+                  <a:ext uri="{FF2B5EF4-FFF2-40B4-BE49-F238E27FC236}">
+                    <a16:creationId xmlns:a16="http://schemas.microsoft.com/office/drawing/2014/main" id="{C4EB0C0E-6B26-44E7-A21B-CBEEE534B8DE}"/>
+                  </a:ext>
+                </a:extLst>
+              </p:cNvPr>
+              <p:cNvPicPr/>
+              <p:nvPr/>
+            </p:nvPicPr>
+            <p:blipFill>
+              <a:blip r:embed="rId5"/>
+              <a:stretch>
+                <a:fillRect/>
+              </a:stretch>
+            </p:blipFill>
+            <p:spPr>
+              <a:xfrm>
+                <a:off x="2456929" y="2136139"/>
+                <a:ext cx="642600" cy="49680"/>
+              </a:xfrm>
+              <a:prstGeom prst="rect">
+                <a:avLst/>
+              </a:prstGeom>
+            </p:spPr>
+          </p:pic>
+        </mc:Fallback>
+      </mc:AlternateContent>
+      <mc:AlternateContent xmlns:mc="http://schemas.openxmlformats.org/markup-compatibility/2006">
+        <mc:Choice xmlns:p14="http://schemas.microsoft.com/office/powerpoint/2010/main" Requires="p14">
+          <p:contentPart p14:bwMode="auto" r:id="rId6">
+            <p14:nvContentPartPr>
+              <p14:cNvPr id="6" name="Ink 5">
+                <a:extLst>
+                  <a:ext uri="{FF2B5EF4-FFF2-40B4-BE49-F238E27FC236}">
+                    <a16:creationId xmlns:a16="http://schemas.microsoft.com/office/drawing/2014/main" id="{4CCB1BB1-0282-407C-A542-FE17A8C343D9}"/>
+                  </a:ext>
+                </a:extLst>
+              </p14:cNvPr>
+              <p14:cNvContentPartPr/>
+              <p14:nvPr/>
+            </p14:nvContentPartPr>
+            <p14:xfrm>
+              <a:off x="1290169" y="2491099"/>
+              <a:ext cx="1103040" cy="24480"/>
+            </p14:xfrm>
+          </p:contentPart>
+        </mc:Choice>
+        <mc:Fallback>
+          <p:pic>
+            <p:nvPicPr>
+              <p:cNvPr id="6" name="Ink 5">
+                <a:extLst>
+                  <a:ext uri="{FF2B5EF4-FFF2-40B4-BE49-F238E27FC236}">
+                    <a16:creationId xmlns:a16="http://schemas.microsoft.com/office/drawing/2014/main" id="{4CCB1BB1-0282-407C-A542-FE17A8C343D9}"/>
+                  </a:ext>
+                </a:extLst>
+              </p:cNvPr>
+              <p:cNvPicPr/>
+              <p:nvPr/>
+            </p:nvPicPr>
+            <p:blipFill>
+              <a:blip r:embed="rId7"/>
+              <a:stretch>
+                <a:fillRect/>
+              </a:stretch>
+            </p:blipFill>
+            <p:spPr>
+              <a:xfrm>
+                <a:off x="1281169" y="2482459"/>
+                <a:ext cx="1120680" cy="42120"/>
+              </a:xfrm>
+              <a:prstGeom prst="rect">
+                <a:avLst/>
+              </a:prstGeom>
+            </p:spPr>
+          </p:pic>
+        </mc:Fallback>
+      </mc:AlternateContent>
+      <mc:AlternateContent xmlns:mc="http://schemas.openxmlformats.org/markup-compatibility/2006">
+        <mc:Choice xmlns:p14="http://schemas.microsoft.com/office/powerpoint/2010/main" Requires="p14">
+          <p:contentPart p14:bwMode="auto" r:id="rId8">
+            <p14:nvContentPartPr>
+              <p14:cNvPr id="7" name="Ink 6">
+                <a:extLst>
+                  <a:ext uri="{FF2B5EF4-FFF2-40B4-BE49-F238E27FC236}">
+                    <a16:creationId xmlns:a16="http://schemas.microsoft.com/office/drawing/2014/main" id="{7DE594EA-002E-426E-B510-CE9480E5C444}"/>
+                  </a:ext>
+                </a:extLst>
+              </p14:cNvPr>
+              <p14:cNvContentPartPr/>
+              <p14:nvPr/>
+            </p14:nvContentPartPr>
+            <p14:xfrm>
+              <a:off x="874369" y="2932819"/>
+              <a:ext cx="946440" cy="33480"/>
+            </p14:xfrm>
+          </p:contentPart>
+        </mc:Choice>
+        <mc:Fallback>
+          <p:pic>
+            <p:nvPicPr>
+              <p:cNvPr id="7" name="Ink 6">
+                <a:extLst>
+                  <a:ext uri="{FF2B5EF4-FFF2-40B4-BE49-F238E27FC236}">
+                    <a16:creationId xmlns:a16="http://schemas.microsoft.com/office/drawing/2014/main" id="{7DE594EA-002E-426E-B510-CE9480E5C444}"/>
+                  </a:ext>
+                </a:extLst>
+              </p:cNvPr>
+              <p:cNvPicPr/>
+              <p:nvPr/>
+            </p:nvPicPr>
+            <p:blipFill>
+              <a:blip r:embed="rId9"/>
+              <a:stretch>
+                <a:fillRect/>
+              </a:stretch>
+            </p:blipFill>
+            <p:spPr>
+              <a:xfrm>
+                <a:off x="865729" y="2924179"/>
+                <a:ext cx="964080" cy="51120"/>
+              </a:xfrm>
+              <a:prstGeom prst="rect">
+                <a:avLst/>
+              </a:prstGeom>
+            </p:spPr>
+          </p:pic>
+        </mc:Fallback>
+      </mc:AlternateContent>
+      <p:grpSp>
+        <p:nvGrpSpPr>
+          <p:cNvPr id="10" name="Group 9">
+            <a:extLst>
+              <a:ext uri="{FF2B5EF4-FFF2-40B4-BE49-F238E27FC236}">
+                <a16:creationId xmlns:a16="http://schemas.microsoft.com/office/drawing/2014/main" id="{A1037EB8-938C-42BA-86F9-E5ACA47961EC}"/>
+              </a:ext>
+            </a:extLst>
+          </p:cNvPr>
+          <p:cNvGrpSpPr/>
+          <p:nvPr/>
+        </p:nvGrpSpPr>
+        <p:grpSpPr>
+          <a:xfrm>
+            <a:off x="474769" y="2999779"/>
+            <a:ext cx="255240" cy="857160"/>
+            <a:chOff x="474769" y="2999779"/>
+            <a:chExt cx="255240" cy="857160"/>
+          </a:xfrm>
+        </p:grpSpPr>
+        <mc:AlternateContent xmlns:mc="http://schemas.openxmlformats.org/markup-compatibility/2006">
+          <mc:Choice xmlns:p14="http://schemas.microsoft.com/office/powerpoint/2010/main" Requires="p14">
+            <p:contentPart p14:bwMode="auto" r:id="rId10">
+              <p14:nvContentPartPr>
+                <p14:cNvPr id="8" name="Ink 7">
+                  <a:extLst>
+                    <a:ext uri="{FF2B5EF4-FFF2-40B4-BE49-F238E27FC236}">
+                      <a16:creationId xmlns:a16="http://schemas.microsoft.com/office/drawing/2014/main" id="{E81D6DD8-7DAC-4A1F-BDBD-C6099235348E}"/>
+                    </a:ext>
+                  </a:extLst>
+                </p14:cNvPr>
+                <p14:cNvContentPartPr/>
+                <p14:nvPr/>
+              </p14:nvContentPartPr>
+              <p14:xfrm>
+                <a:off x="540289" y="2999779"/>
+                <a:ext cx="189720" cy="74880"/>
+              </p14:xfrm>
+            </p:contentPart>
+          </mc:Choice>
+          <mc:Fallback>
+            <p:pic>
+              <p:nvPicPr>
+                <p:cNvPr id="8" name="Ink 7">
+                  <a:extLst>
+                    <a:ext uri="{FF2B5EF4-FFF2-40B4-BE49-F238E27FC236}">
+                      <a16:creationId xmlns:a16="http://schemas.microsoft.com/office/drawing/2014/main" id="{E81D6DD8-7DAC-4A1F-BDBD-C6099235348E}"/>
+                    </a:ext>
+                  </a:extLst>
+                </p:cNvPr>
+                <p:cNvPicPr/>
+                <p:nvPr/>
+              </p:nvPicPr>
+              <p:blipFill>
+                <a:blip r:embed="rId11"/>
+                <a:stretch>
+                  <a:fillRect/>
+                </a:stretch>
+              </p:blipFill>
+              <p:spPr>
+                <a:xfrm>
+                  <a:off x="531289" y="2990779"/>
+                  <a:ext cx="207360" cy="92520"/>
+                </a:xfrm>
+                <a:prstGeom prst="rect">
+                  <a:avLst/>
+                </a:prstGeom>
+              </p:spPr>
+            </p:pic>
+          </mc:Fallback>
+        </mc:AlternateContent>
+        <mc:AlternateContent xmlns:mc="http://schemas.openxmlformats.org/markup-compatibility/2006">
+          <mc:Choice xmlns:p14="http://schemas.microsoft.com/office/powerpoint/2010/main" Requires="p14">
+            <p:contentPart p14:bwMode="auto" r:id="rId12">
+              <p14:nvContentPartPr>
+                <p14:cNvPr id="9" name="Ink 8">
+                  <a:extLst>
+                    <a:ext uri="{FF2B5EF4-FFF2-40B4-BE49-F238E27FC236}">
+                      <a16:creationId xmlns:a16="http://schemas.microsoft.com/office/drawing/2014/main" id="{90D5C187-9FE3-4ADF-9683-871EF72B8D8C}"/>
+                    </a:ext>
+                  </a:extLst>
+                </p14:cNvPr>
+                <p14:cNvContentPartPr/>
+                <p14:nvPr/>
+              </p14:nvContentPartPr>
+              <p14:xfrm>
+                <a:off x="474769" y="3104899"/>
+                <a:ext cx="241200" cy="752040"/>
+              </p14:xfrm>
+            </p:contentPart>
+          </mc:Choice>
+          <mc:Fallback>
+            <p:pic>
+              <p:nvPicPr>
+                <p:cNvPr id="9" name="Ink 8">
+                  <a:extLst>
+                    <a:ext uri="{FF2B5EF4-FFF2-40B4-BE49-F238E27FC236}">
+                      <a16:creationId xmlns:a16="http://schemas.microsoft.com/office/drawing/2014/main" id="{90D5C187-9FE3-4ADF-9683-871EF72B8D8C}"/>
+                    </a:ext>
+                  </a:extLst>
+                </p:cNvPr>
+                <p:cNvPicPr/>
+                <p:nvPr/>
+              </p:nvPicPr>
+              <p:blipFill>
+                <a:blip r:embed="rId13"/>
+                <a:stretch>
+                  <a:fillRect/>
+                </a:stretch>
+              </p:blipFill>
+              <p:spPr>
+                <a:xfrm>
+                  <a:off x="466129" y="3095899"/>
+                  <a:ext cx="258840" cy="769680"/>
+                </a:xfrm>
+                <a:prstGeom prst="rect">
+                  <a:avLst/>
+                </a:prstGeom>
+              </p:spPr>
+            </p:pic>
+          </mc:Fallback>
+        </mc:AlternateContent>
+      </p:grpSp>
+      <mc:AlternateContent xmlns:mc="http://schemas.openxmlformats.org/markup-compatibility/2006">
+        <mc:Choice xmlns:p14="http://schemas.microsoft.com/office/powerpoint/2010/main" Requires="p14">
+          <p:contentPart p14:bwMode="auto" r:id="rId14">
+            <p14:nvContentPartPr>
+              <p14:cNvPr id="11" name="Ink 10">
+                <a:extLst>
+                  <a:ext uri="{FF2B5EF4-FFF2-40B4-BE49-F238E27FC236}">
+                    <a16:creationId xmlns:a16="http://schemas.microsoft.com/office/drawing/2014/main" id="{2A75F2DC-72F6-439B-9C4D-2298BEDA6EBC}"/>
+                  </a:ext>
+                </a:extLst>
+              </p14:cNvPr>
+              <p14:cNvContentPartPr/>
+              <p14:nvPr/>
+            </p14:nvContentPartPr>
+            <p14:xfrm>
+              <a:off x="5570209" y="3338179"/>
+              <a:ext cx="852480" cy="47520"/>
+            </p14:xfrm>
+          </p:contentPart>
+        </mc:Choice>
+        <mc:Fallback>
+          <p:pic>
+            <p:nvPicPr>
+              <p:cNvPr id="11" name="Ink 10">
+                <a:extLst>
+                  <a:ext uri="{FF2B5EF4-FFF2-40B4-BE49-F238E27FC236}">
+                    <a16:creationId xmlns:a16="http://schemas.microsoft.com/office/drawing/2014/main" id="{2A75F2DC-72F6-439B-9C4D-2298BEDA6EBC}"/>
+                  </a:ext>
+                </a:extLst>
+              </p:cNvPr>
+              <p:cNvPicPr/>
+              <p:nvPr/>
+            </p:nvPicPr>
+            <p:blipFill>
+              <a:blip r:embed="rId15"/>
+              <a:stretch>
+                <a:fillRect/>
+              </a:stretch>
+            </p:blipFill>
+            <p:spPr>
+              <a:xfrm>
+                <a:off x="5561569" y="3329539"/>
+                <a:ext cx="870120" cy="65160"/>
+              </a:xfrm>
+              <a:prstGeom prst="rect">
+                <a:avLst/>
+              </a:prstGeom>
+            </p:spPr>
+          </p:pic>
+        </mc:Fallback>
+      </mc:AlternateContent>
+      <mc:AlternateContent xmlns:mc="http://schemas.openxmlformats.org/markup-compatibility/2006">
+        <mc:Choice xmlns:p14="http://schemas.microsoft.com/office/powerpoint/2010/main" Requires="p14">
+          <p:contentPart p14:bwMode="auto" r:id="rId16">
+            <p14:nvContentPartPr>
+              <p14:cNvPr id="12" name="Ink 11">
+                <a:extLst>
+                  <a:ext uri="{FF2B5EF4-FFF2-40B4-BE49-F238E27FC236}">
+                    <a16:creationId xmlns:a16="http://schemas.microsoft.com/office/drawing/2014/main" id="{D971B7F4-77C6-4D13-B685-EC615C438175}"/>
+                  </a:ext>
+                </a:extLst>
+              </p14:cNvPr>
+              <p14:cNvContentPartPr/>
+              <p14:nvPr/>
+            </p14:nvContentPartPr>
+            <p14:xfrm>
+              <a:off x="1615969" y="3652819"/>
+              <a:ext cx="932040" cy="43200"/>
+            </p14:xfrm>
+          </p:contentPart>
+        </mc:Choice>
+        <mc:Fallback>
+          <p:pic>
+            <p:nvPicPr>
+              <p:cNvPr id="12" name="Ink 11">
+                <a:extLst>
+                  <a:ext uri="{FF2B5EF4-FFF2-40B4-BE49-F238E27FC236}">
+                    <a16:creationId xmlns:a16="http://schemas.microsoft.com/office/drawing/2014/main" id="{D971B7F4-77C6-4D13-B685-EC615C438175}"/>
+                  </a:ext>
+                </a:extLst>
+              </p:cNvPr>
+              <p:cNvPicPr/>
+              <p:nvPr/>
+            </p:nvPicPr>
+            <p:blipFill>
+              <a:blip r:embed="rId17"/>
+              <a:stretch>
+                <a:fillRect/>
+              </a:stretch>
+            </p:blipFill>
+            <p:spPr>
+              <a:xfrm>
+                <a:off x="1606969" y="3644179"/>
+                <a:ext cx="949680" cy="60840"/>
+              </a:xfrm>
+              <a:prstGeom prst="rect">
+                <a:avLst/>
+              </a:prstGeom>
+            </p:spPr>
+          </p:pic>
+        </mc:Fallback>
+      </mc:AlternateContent>
+      <p:grpSp>
+        <p:nvGrpSpPr>
+          <p:cNvPr id="16" name="Group 15">
+            <a:extLst>
+              <a:ext uri="{FF2B5EF4-FFF2-40B4-BE49-F238E27FC236}">
+                <a16:creationId xmlns:a16="http://schemas.microsoft.com/office/drawing/2014/main" id="{03E6C94E-F160-42ED-A62A-F321918E2B0C}"/>
+              </a:ext>
+            </a:extLst>
+          </p:cNvPr>
+          <p:cNvGrpSpPr/>
+          <p:nvPr/>
+        </p:nvGrpSpPr>
+        <p:grpSpPr>
+          <a:xfrm>
+            <a:off x="3170089" y="3305059"/>
+            <a:ext cx="1522440" cy="379440"/>
+            <a:chOff x="3170089" y="3305059"/>
+            <a:chExt cx="1522440" cy="379440"/>
+          </a:xfrm>
+        </p:grpSpPr>
+        <mc:AlternateContent xmlns:mc="http://schemas.openxmlformats.org/markup-compatibility/2006">
+          <mc:Choice xmlns:p14="http://schemas.microsoft.com/office/powerpoint/2010/main" Requires="p14">
+            <p:contentPart p14:bwMode="auto" r:id="rId18">
+              <p14:nvContentPartPr>
+                <p14:cNvPr id="13" name="Ink 12">
+                  <a:extLst>
+                    <a:ext uri="{FF2B5EF4-FFF2-40B4-BE49-F238E27FC236}">
+                      <a16:creationId xmlns:a16="http://schemas.microsoft.com/office/drawing/2014/main" id="{2DEB84D4-90C6-461B-8E8C-73EF7532863C}"/>
+                    </a:ext>
+                  </a:extLst>
+                </p14:cNvPr>
+                <p14:cNvContentPartPr/>
+                <p14:nvPr/>
+              </p14:nvContentPartPr>
+              <p14:xfrm>
+                <a:off x="3170089" y="3305059"/>
+                <a:ext cx="1522440" cy="24480"/>
+              </p14:xfrm>
+            </p:contentPart>
+          </mc:Choice>
+          <mc:Fallback>
+            <p:pic>
+              <p:nvPicPr>
+                <p:cNvPr id="13" name="Ink 12">
+                  <a:extLst>
+                    <a:ext uri="{FF2B5EF4-FFF2-40B4-BE49-F238E27FC236}">
+                      <a16:creationId xmlns:a16="http://schemas.microsoft.com/office/drawing/2014/main" id="{2DEB84D4-90C6-461B-8E8C-73EF7532863C}"/>
+                    </a:ext>
+                  </a:extLst>
+                </p:cNvPr>
+                <p:cNvPicPr/>
+                <p:nvPr/>
+              </p:nvPicPr>
+              <p:blipFill>
+                <a:blip r:embed="rId19"/>
+                <a:stretch>
+                  <a:fillRect/>
+                </a:stretch>
+              </p:blipFill>
+              <p:spPr>
+                <a:xfrm>
+                  <a:off x="3161089" y="3296059"/>
+                  <a:ext cx="1540080" cy="42120"/>
+                </a:xfrm>
+                <a:prstGeom prst="rect">
+                  <a:avLst/>
+                </a:prstGeom>
+              </p:spPr>
+            </p:pic>
+          </mc:Fallback>
+        </mc:AlternateContent>
+        <mc:AlternateContent xmlns:mc="http://schemas.openxmlformats.org/markup-compatibility/2006">
+          <mc:Choice xmlns:p14="http://schemas.microsoft.com/office/powerpoint/2010/main" Requires="p14">
+            <p:contentPart p14:bwMode="auto" r:id="rId20">
+              <p14:nvContentPartPr>
+                <p14:cNvPr id="14" name="Ink 13">
+                  <a:extLst>
+                    <a:ext uri="{FF2B5EF4-FFF2-40B4-BE49-F238E27FC236}">
+                      <a16:creationId xmlns:a16="http://schemas.microsoft.com/office/drawing/2014/main" id="{9E29EC0A-DA9B-474C-8CEA-F520D7184FC3}"/>
+                    </a:ext>
+                  </a:extLst>
+                </p14:cNvPr>
+                <p14:cNvContentPartPr/>
+                <p14:nvPr/>
+              </p14:nvContentPartPr>
+              <p14:xfrm>
+                <a:off x="4317409" y="3360859"/>
+                <a:ext cx="59760" cy="323640"/>
+              </p14:xfrm>
+            </p:contentPart>
+          </mc:Choice>
+          <mc:Fallback>
+            <p:pic>
+              <p:nvPicPr>
+                <p:cNvPr id="14" name="Ink 13">
+                  <a:extLst>
+                    <a:ext uri="{FF2B5EF4-FFF2-40B4-BE49-F238E27FC236}">
+                      <a16:creationId xmlns:a16="http://schemas.microsoft.com/office/drawing/2014/main" id="{9E29EC0A-DA9B-474C-8CEA-F520D7184FC3}"/>
+                    </a:ext>
+                  </a:extLst>
+                </p:cNvPr>
+                <p:cNvPicPr/>
+                <p:nvPr/>
+              </p:nvPicPr>
+              <p:blipFill>
+                <a:blip r:embed="rId21"/>
+                <a:stretch>
+                  <a:fillRect/>
+                </a:stretch>
+              </p:blipFill>
+              <p:spPr>
+                <a:xfrm>
+                  <a:off x="4308769" y="3351859"/>
+                  <a:ext cx="77400" cy="341280"/>
+                </a:xfrm>
+                <a:prstGeom prst="rect">
+                  <a:avLst/>
+                </a:prstGeom>
+              </p:spPr>
+            </p:pic>
+          </mc:Fallback>
+        </mc:AlternateContent>
+        <mc:AlternateContent xmlns:mc="http://schemas.openxmlformats.org/markup-compatibility/2006">
+          <mc:Choice xmlns:p14="http://schemas.microsoft.com/office/powerpoint/2010/main" Requires="p14">
+            <p:contentPart p14:bwMode="auto" r:id="rId22">
+              <p14:nvContentPartPr>
+                <p14:cNvPr id="15" name="Ink 14">
+                  <a:extLst>
+                    <a:ext uri="{FF2B5EF4-FFF2-40B4-BE49-F238E27FC236}">
+                      <a16:creationId xmlns:a16="http://schemas.microsoft.com/office/drawing/2014/main" id="{1AD3F130-DE4C-4838-8C1F-84A84F737876}"/>
+                    </a:ext>
+                  </a:extLst>
+                </p14:cNvPr>
+                <p14:cNvContentPartPr/>
+                <p14:nvPr/>
+              </p14:nvContentPartPr>
+              <p14:xfrm>
+                <a:off x="4272409" y="3366619"/>
+                <a:ext cx="199080" cy="147600"/>
+              </p14:xfrm>
+            </p:contentPart>
+          </mc:Choice>
+          <mc:Fallback>
+            <p:pic>
+              <p:nvPicPr>
+                <p:cNvPr id="15" name="Ink 14">
+                  <a:extLst>
+                    <a:ext uri="{FF2B5EF4-FFF2-40B4-BE49-F238E27FC236}">
+                      <a16:creationId xmlns:a16="http://schemas.microsoft.com/office/drawing/2014/main" id="{1AD3F130-DE4C-4838-8C1F-84A84F737876}"/>
+                    </a:ext>
+                  </a:extLst>
+                </p:cNvPr>
+                <p:cNvPicPr/>
+                <p:nvPr/>
+              </p:nvPicPr>
+              <p:blipFill>
+                <a:blip r:embed="rId23"/>
+                <a:stretch>
+                  <a:fillRect/>
+                </a:stretch>
+              </p:blipFill>
+              <p:spPr>
+                <a:xfrm>
+                  <a:off x="4263769" y="3357619"/>
+                  <a:ext cx="216720" cy="165240"/>
+                </a:xfrm>
+                <a:prstGeom prst="rect">
+                  <a:avLst/>
+                </a:prstGeom>
+              </p:spPr>
+            </p:pic>
+          </mc:Fallback>
+        </mc:AlternateContent>
+      </p:grpSp>
     </p:spTree>
     <p:extLst>
       <p:ext uri="{BB962C8B-B14F-4D97-AF65-F5344CB8AC3E}">
